--- a/Entornos de Desarrollo/1º Evaluación/Pacticas/Practica2/Tareas/PowerPont SmartSheet/Presentación SmartSheet.pptx
+++ b/Entornos de Desarrollo/1º Evaluación/Pacticas/Practica2/Tareas/PowerPont SmartSheet/Presentación SmartSheet.pptx
@@ -5,7 +5,7 @@
     <p:sldMasterId id="2147483675" r:id="rId1"/>
   </p:sldMasterIdLst>
   <p:notesMasterIdLst>
-    <p:notesMasterId r:id="rId13"/>
+    <p:notesMasterId r:id="rId14"/>
   </p:notesMasterIdLst>
   <p:sldIdLst>
     <p:sldId id="256" r:id="rId2"/>
@@ -17,22 +17,23 @@
     <p:sldId id="268" r:id="rId8"/>
     <p:sldId id="269" r:id="rId9"/>
     <p:sldId id="264" r:id="rId10"/>
-    <p:sldId id="265" r:id="rId11"/>
-    <p:sldId id="266" r:id="rId12"/>
+    <p:sldId id="272" r:id="rId11"/>
+    <p:sldId id="265" r:id="rId12"/>
+    <p:sldId id="266" r:id="rId13"/>
   </p:sldIdLst>
   <p:sldSz cx="12192000" cy="6858000"/>
   <p:notesSz cx="6858000" cy="9144000"/>
   <p:embeddedFontLst>
     <p:embeddedFont>
       <p:font typeface="Century Gothic" panose="020B0502020202020204" pitchFamily="34" charset="0"/>
-      <p:regular r:id="rId14"/>
-      <p:bold r:id="rId15"/>
-      <p:italic r:id="rId16"/>
-      <p:boldItalic r:id="rId17"/>
+      <p:regular r:id="rId15"/>
+      <p:bold r:id="rId16"/>
+      <p:italic r:id="rId17"/>
+      <p:boldItalic r:id="rId18"/>
     </p:embeddedFont>
     <p:embeddedFont>
       <p:font typeface="Wingdings 3" panose="05040102010807070707" pitchFamily="18" charset="2"/>
-      <p:regular r:id="rId18"/>
+      <p:regular r:id="rId19"/>
     </p:embeddedFont>
   </p:embeddedFontLst>
   <p:defaultTextStyle>
@@ -135,7 +136,7 @@
       <p15:sldGuideLst xmlns:p15="http://schemas.microsoft.com/office/powerpoint/2012/main"/>
     </p:ext>
     <p:ext uri="http://customooxmlschemas.google.com/">
-      <go:slidesCustomData xmlns="" xmlns:mc="http://schemas.openxmlformats.org/markup-compatibility/2006" xmlns:mv="urn:schemas-microsoft-com:mac:vml" xmlns:c="http://schemas.openxmlformats.org/drawingml/2006/chart" xmlns:dgm="http://schemas.openxmlformats.org/drawingml/2006/diagram" xmlns:o="urn:schemas-microsoft-com:office:office" xmlns:v="urn:schemas-microsoft-com:vml" xmlns:pvml="urn:schemas-microsoft-com:office:powerpoint" xmlns:com="http://schemas.openxmlformats.org/drawingml/2006/compatibility" xmlns:p14="http://schemas.microsoft.com/office/powerpoint/2010/main" xmlns:p15="http://schemas.microsoft.com/office/powerpoint/2012/main" xmlns:ahyp="http://schemas.microsoft.com/office/drawing/2018/hyperlinkcolor" xmlns:go="http://customooxmlschemas.google.com/" r:id="rId22" roundtripDataSignature="AMtx7mimCZ+XdtLiXoBlUQ7x767i2e8h4Q=="/>
+      <go:slidesCustomData xmlns:go="http://customooxmlschemas.google.com/" xmlns:ahyp="http://schemas.microsoft.com/office/drawing/2018/hyperlinkcolor" xmlns:p15="http://schemas.microsoft.com/office/powerpoint/2012/main" xmlns:p14="http://schemas.microsoft.com/office/powerpoint/2010/main" xmlns:com="http://schemas.openxmlformats.org/drawingml/2006/compatibility" xmlns:pvml="urn:schemas-microsoft-com:office:powerpoint" xmlns:v="urn:schemas-microsoft-com:vml" xmlns:o="urn:schemas-microsoft-com:office:office" xmlns:dgm="http://schemas.openxmlformats.org/drawingml/2006/diagram" xmlns:c="http://schemas.openxmlformats.org/drawingml/2006/chart" xmlns:mv="urn:schemas-microsoft-com:mac:vml" xmlns:mc="http://schemas.openxmlformats.org/markup-compatibility/2006" xmlns="" r:id="rId22" roundtripDataSignature="AMtx7mimCZ+XdtLiXoBlUQ7x767i2e8h4Q=="/>
     </p:ext>
   </p:extLst>
 </p:presentation>
@@ -1029,6 +1030,115 @@
   <p:cSld>
     <p:spTree>
       <p:nvGrpSpPr>
+        <p:cNvPr id="1" name="Shape 171"/>
+        <p:cNvGrpSpPr/>
+        <p:nvPr/>
+      </p:nvGrpSpPr>
+      <p:grpSpPr>
+        <a:xfrm>
+          <a:off x="0" y="0"/>
+          <a:ext cx="0" cy="0"/>
+          <a:chOff x="0" y="0"/>
+          <a:chExt cx="0" cy="0"/>
+        </a:xfrm>
+      </p:grpSpPr>
+      <p:sp>
+        <p:nvSpPr>
+          <p:cNvPr id="172" name="Google Shape;172;g1792bd7d39e_0_11:notes"/>
+          <p:cNvSpPr txBox="1">
+            <a:spLocks noGrp="1"/>
+          </p:cNvSpPr>
+          <p:nvPr>
+            <p:ph type="body" idx="1"/>
+          </p:nvPr>
+        </p:nvSpPr>
+        <p:spPr>
+          <a:xfrm>
+            <a:off x="685800" y="4343400"/>
+            <a:ext cx="5486400" cy="4114800"/>
+          </a:xfrm>
+          <a:prstGeom prst="rect">
+            <a:avLst/>
+          </a:prstGeom>
+        </p:spPr>
+        <p:txBody>
+          <a:bodyPr spcFirstLastPara="1" wrap="square" lIns="91425" tIns="91425" rIns="91425" bIns="91425" anchor="t" anchorCtr="0">
+            <a:noAutofit/>
+          </a:bodyPr>
+          <a:lstStyle/>
+          <a:p>
+            <a:pPr marL="0" lvl="0" indent="0" algn="l" rtl="0">
+              <a:spcBef>
+                <a:spcPts val="0"/>
+              </a:spcBef>
+              <a:spcAft>
+                <a:spcPts val="0"/>
+              </a:spcAft>
+              <a:buNone/>
+            </a:pPr>
+            <a:endParaRPr/>
+          </a:p>
+        </p:txBody>
+      </p:sp>
+      <p:sp>
+        <p:nvSpPr>
+          <p:cNvPr id="173" name="Google Shape;173;g1792bd7d39e_0_11:notes"/>
+          <p:cNvSpPr>
+            <a:spLocks noGrp="1" noRot="1" noChangeAspect="1"/>
+          </p:cNvSpPr>
+          <p:nvPr>
+            <p:ph type="sldImg" idx="2"/>
+          </p:nvPr>
+        </p:nvSpPr>
+        <p:spPr>
+          <a:xfrm>
+            <a:off x="381000" y="685800"/>
+            <a:ext cx="6096000" cy="3429000"/>
+          </a:xfrm>
+          <a:custGeom>
+            <a:avLst/>
+            <a:gdLst/>
+            <a:ahLst/>
+            <a:cxnLst/>
+            <a:rect l="l" t="t" r="r" b="b"/>
+            <a:pathLst>
+              <a:path w="120000" h="120000" extrusionOk="0">
+                <a:moveTo>
+                  <a:pt x="0" y="0"/>
+                </a:moveTo>
+                <a:lnTo>
+                  <a:pt x="120000" y="0"/>
+                </a:lnTo>
+                <a:lnTo>
+                  <a:pt x="120000" y="120000"/>
+                </a:lnTo>
+                <a:lnTo>
+                  <a:pt x="0" y="120000"/>
+                </a:lnTo>
+                <a:close/>
+              </a:path>
+            </a:pathLst>
+          </a:custGeom>
+        </p:spPr>
+      </p:sp>
+    </p:spTree>
+    <p:extLst>
+      <p:ext uri="{BB962C8B-B14F-4D97-AF65-F5344CB8AC3E}">
+        <p14:creationId xmlns:p14="http://schemas.microsoft.com/office/powerpoint/2010/main" val="3046944319"/>
+      </p:ext>
+    </p:extLst>
+  </p:cSld>
+  <p:clrMapOvr>
+    <a:masterClrMapping/>
+  </p:clrMapOvr>
+</p:notes>
+</file>
+
+<file path=ppt/notesSlides/notesSlide11.xml><?xml version="1.0" encoding="utf-8"?>
+<p:notes xmlns:a="http://schemas.openxmlformats.org/drawingml/2006/main" xmlns:r="http://schemas.openxmlformats.org/officeDocument/2006/relationships" xmlns:p="http://schemas.openxmlformats.org/presentationml/2006/main" showMasterSp="0" showMasterPhAnim="0">
+  <p:cSld>
+    <p:spTree>
+      <p:nvGrpSpPr>
         <p:cNvPr id="1" name="Shape 185"/>
         <p:cNvGrpSpPr/>
         <p:nvPr/>
@@ -1128,7 +1238,7 @@
 </p:notes>
 </file>
 
-<file path=ppt/notesSlides/notesSlide11.xml><?xml version="1.0" encoding="utf-8"?>
+<file path=ppt/notesSlides/notesSlide12.xml><?xml version="1.0" encoding="utf-8"?>
 <p:notes xmlns:a="http://schemas.openxmlformats.org/drawingml/2006/main" xmlns:r="http://schemas.openxmlformats.org/officeDocument/2006/relationships" xmlns:p="http://schemas.openxmlformats.org/presentationml/2006/main" showMasterSp="0" showMasterPhAnim="0">
   <p:cSld>
     <p:spTree>
@@ -8140,6 +8250,1355 @@
     </p:bg>
     <p:spTree>
       <p:nvGrpSpPr>
+        <p:cNvPr id="1" name="Shape 174"/>
+        <p:cNvGrpSpPr/>
+        <p:nvPr/>
+      </p:nvGrpSpPr>
+      <p:grpSpPr>
+        <a:xfrm>
+          <a:off x="0" y="0"/>
+          <a:ext cx="0" cy="0"/>
+          <a:chOff x="0" y="0"/>
+          <a:chExt cx="0" cy="0"/>
+        </a:xfrm>
+      </p:grpSpPr>
+      <p:grpSp>
+        <p:nvGrpSpPr>
+          <p:cNvPr id="181" name="Group 180">
+            <a:extLst>
+              <a:ext uri="{FF2B5EF4-FFF2-40B4-BE49-F238E27FC236}">
+                <a16:creationId xmlns:a16="http://schemas.microsoft.com/office/drawing/2014/main" id="{6CC7770B-E4E1-42D6-9437-DAA4A3A9E659}"/>
+              </a:ext>
+              <a:ext uri="{C183D7F6-B498-43B3-948B-1728B52AA6E4}">
+                <adec:decorative xmlns:adec="http://schemas.microsoft.com/office/drawing/2017/decorative" val="1"/>
+              </a:ext>
+            </a:extLst>
+          </p:cNvPr>
+          <p:cNvGrpSpPr>
+            <a:grpSpLocks noGrp="1" noUngrp="1" noRot="1" noChangeAspect="1" noMove="1" noResize="1"/>
+          </p:cNvGrpSpPr>
+          <p:nvPr>
+            <p:extLst>
+              <p:ext uri="{386F3935-93C4-4BCD-93E2-E3B085C9AB24}">
+                <p16:designElem xmlns:p16="http://schemas.microsoft.com/office/powerpoint/2015/main" val="1"/>
+              </p:ext>
+            </p:extLst>
+          </p:nvPr>
+        </p:nvGrpSpPr>
+        <p:grpSpPr>
+          <a:xfrm>
+            <a:off x="9206969" y="2963333"/>
+            <a:ext cx="2981858" cy="3208867"/>
+            <a:chOff x="9206969" y="2963333"/>
+            <a:chExt cx="2981858" cy="3208867"/>
+          </a:xfrm>
+        </p:grpSpPr>
+        <p:cxnSp>
+          <p:nvCxnSpPr>
+            <p:cNvPr id="182" name="Straight Connector 181">
+              <a:extLst>
+                <a:ext uri="{FF2B5EF4-FFF2-40B4-BE49-F238E27FC236}">
+                  <a16:creationId xmlns:a16="http://schemas.microsoft.com/office/drawing/2014/main" id="{5A26DE5B-A1A6-4746-8EF7-4D6809ED75EE}"/>
+                </a:ext>
+                <a:ext uri="{C183D7F6-B498-43B3-948B-1728B52AA6E4}">
+                  <adec:decorative xmlns:adec="http://schemas.microsoft.com/office/drawing/2017/decorative" val="1"/>
+                </a:ext>
+              </a:extLst>
+            </p:cNvPr>
+            <p:cNvCxnSpPr/>
+            <p:nvPr>
+              <p:extLst>
+                <p:ext uri="{386F3935-93C4-4BCD-93E2-E3B085C9AB24}">
+                  <p16:designElem xmlns:p16="http://schemas.microsoft.com/office/powerpoint/2015/main" val="1"/>
+                </p:ext>
+              </p:extLst>
+            </p:nvPr>
+          </p:nvCxnSpPr>
+          <p:spPr>
+            <a:xfrm flipH="1">
+              <a:off x="11276012" y="2963333"/>
+              <a:ext cx="912814" cy="912812"/>
+            </a:xfrm>
+            <a:prstGeom prst="line">
+              <a:avLst/>
+            </a:prstGeom>
+            <a:ln w="9525">
+              <a:solidFill>
+                <a:schemeClr val="tx1"/>
+              </a:solidFill>
+            </a:ln>
+          </p:spPr>
+          <p:style>
+            <a:lnRef idx="2">
+              <a:schemeClr val="accent1"/>
+            </a:lnRef>
+            <a:fillRef idx="0">
+              <a:schemeClr val="accent1"/>
+            </a:fillRef>
+            <a:effectRef idx="1">
+              <a:schemeClr val="accent1"/>
+            </a:effectRef>
+            <a:fontRef idx="minor">
+              <a:schemeClr val="tx1"/>
+            </a:fontRef>
+          </p:style>
+        </p:cxnSp>
+        <p:cxnSp>
+          <p:nvCxnSpPr>
+            <p:cNvPr id="183" name="Straight Connector 182">
+              <a:extLst>
+                <a:ext uri="{FF2B5EF4-FFF2-40B4-BE49-F238E27FC236}">
+                  <a16:creationId xmlns:a16="http://schemas.microsoft.com/office/drawing/2014/main" id="{377A3DDA-BF17-4302-867E-EBFD777B0627}"/>
+                </a:ext>
+                <a:ext uri="{C183D7F6-B498-43B3-948B-1728B52AA6E4}">
+                  <adec:decorative xmlns:adec="http://schemas.microsoft.com/office/drawing/2017/decorative" val="1"/>
+                </a:ext>
+              </a:extLst>
+            </p:cNvPr>
+            <p:cNvCxnSpPr/>
+            <p:nvPr>
+              <p:extLst>
+                <p:ext uri="{386F3935-93C4-4BCD-93E2-E3B085C9AB24}">
+                  <p16:designElem xmlns:p16="http://schemas.microsoft.com/office/powerpoint/2015/main" val="1"/>
+                </p:ext>
+              </p:extLst>
+            </p:nvPr>
+          </p:nvCxnSpPr>
+          <p:spPr>
+            <a:xfrm flipH="1">
+              <a:off x="9206969" y="3190344"/>
+              <a:ext cx="2981857" cy="2981856"/>
+            </a:xfrm>
+            <a:prstGeom prst="line">
+              <a:avLst/>
+            </a:prstGeom>
+            <a:ln w="9525">
+              <a:solidFill>
+                <a:schemeClr val="tx1"/>
+              </a:solidFill>
+            </a:ln>
+          </p:spPr>
+          <p:style>
+            <a:lnRef idx="2">
+              <a:schemeClr val="accent1"/>
+            </a:lnRef>
+            <a:fillRef idx="0">
+              <a:schemeClr val="accent1"/>
+            </a:fillRef>
+            <a:effectRef idx="1">
+              <a:schemeClr val="accent1"/>
+            </a:effectRef>
+            <a:fontRef idx="minor">
+              <a:schemeClr val="tx1"/>
+            </a:fontRef>
+          </p:style>
+        </p:cxnSp>
+        <p:cxnSp>
+          <p:nvCxnSpPr>
+            <p:cNvPr id="184" name="Straight Connector 183">
+              <a:extLst>
+                <a:ext uri="{FF2B5EF4-FFF2-40B4-BE49-F238E27FC236}">
+                  <a16:creationId xmlns:a16="http://schemas.microsoft.com/office/drawing/2014/main" id="{CBE30704-4227-4B7B-BDB8-BFCF39086FA4}"/>
+                </a:ext>
+                <a:ext uri="{C183D7F6-B498-43B3-948B-1728B52AA6E4}">
+                  <adec:decorative xmlns:adec="http://schemas.microsoft.com/office/drawing/2017/decorative" val="1"/>
+                </a:ext>
+              </a:extLst>
+            </p:cNvPr>
+            <p:cNvCxnSpPr/>
+            <p:nvPr>
+              <p:extLst>
+                <p:ext uri="{386F3935-93C4-4BCD-93E2-E3B085C9AB24}">
+                  <p16:designElem xmlns:p16="http://schemas.microsoft.com/office/powerpoint/2015/main" val="1"/>
+                </p:ext>
+              </p:extLst>
+            </p:nvPr>
+          </p:nvCxnSpPr>
+          <p:spPr>
+            <a:xfrm flipH="1">
+              <a:off x="10292292" y="3285067"/>
+              <a:ext cx="1896534" cy="1896533"/>
+            </a:xfrm>
+            <a:prstGeom prst="line">
+              <a:avLst/>
+            </a:prstGeom>
+            <a:ln w="9525">
+              <a:solidFill>
+                <a:schemeClr val="tx1"/>
+              </a:solidFill>
+            </a:ln>
+          </p:spPr>
+          <p:style>
+            <a:lnRef idx="2">
+              <a:schemeClr val="accent1"/>
+            </a:lnRef>
+            <a:fillRef idx="0">
+              <a:schemeClr val="accent1"/>
+            </a:fillRef>
+            <a:effectRef idx="1">
+              <a:schemeClr val="accent1"/>
+            </a:effectRef>
+            <a:fontRef idx="minor">
+              <a:schemeClr val="tx1"/>
+            </a:fontRef>
+          </p:style>
+        </p:cxnSp>
+        <p:cxnSp>
+          <p:nvCxnSpPr>
+            <p:cNvPr id="185" name="Straight Connector 184">
+              <a:extLst>
+                <a:ext uri="{FF2B5EF4-FFF2-40B4-BE49-F238E27FC236}">
+                  <a16:creationId xmlns:a16="http://schemas.microsoft.com/office/drawing/2014/main" id="{B923B1E7-AEA4-42D8-8F4A-9D116F29665C}"/>
+                </a:ext>
+                <a:ext uri="{C183D7F6-B498-43B3-948B-1728B52AA6E4}">
+                  <adec:decorative xmlns:adec="http://schemas.microsoft.com/office/drawing/2017/decorative" val="1"/>
+                </a:ext>
+              </a:extLst>
+            </p:cNvPr>
+            <p:cNvCxnSpPr/>
+            <p:nvPr>
+              <p:extLst>
+                <p:ext uri="{386F3935-93C4-4BCD-93E2-E3B085C9AB24}">
+                  <p16:designElem xmlns:p16="http://schemas.microsoft.com/office/powerpoint/2015/main" val="1"/>
+                </p:ext>
+              </p:extLst>
+            </p:nvPr>
+          </p:nvCxnSpPr>
+          <p:spPr>
+            <a:xfrm flipH="1">
+              <a:off x="10443103" y="3131080"/>
+              <a:ext cx="1745722" cy="1745720"/>
+            </a:xfrm>
+            <a:prstGeom prst="line">
+              <a:avLst/>
+            </a:prstGeom>
+            <a:ln w="28575">
+              <a:solidFill>
+                <a:schemeClr val="tx1"/>
+              </a:solidFill>
+            </a:ln>
+          </p:spPr>
+          <p:style>
+            <a:lnRef idx="2">
+              <a:schemeClr val="accent1"/>
+            </a:lnRef>
+            <a:fillRef idx="0">
+              <a:schemeClr val="accent1"/>
+            </a:fillRef>
+            <a:effectRef idx="1">
+              <a:schemeClr val="accent1"/>
+            </a:effectRef>
+            <a:fontRef idx="minor">
+              <a:schemeClr val="tx1"/>
+            </a:fontRef>
+          </p:style>
+        </p:cxnSp>
+        <p:cxnSp>
+          <p:nvCxnSpPr>
+            <p:cNvPr id="186" name="Straight Connector 185">
+              <a:extLst>
+                <a:ext uri="{FF2B5EF4-FFF2-40B4-BE49-F238E27FC236}">
+                  <a16:creationId xmlns:a16="http://schemas.microsoft.com/office/drawing/2014/main" id="{321B6244-6EAE-442C-ACCF-8146103EC1D5}"/>
+                </a:ext>
+                <a:ext uri="{C183D7F6-B498-43B3-948B-1728B52AA6E4}">
+                  <adec:decorative xmlns:adec="http://schemas.microsoft.com/office/drawing/2017/decorative" val="1"/>
+                </a:ext>
+              </a:extLst>
+            </p:cNvPr>
+            <p:cNvCxnSpPr/>
+            <p:nvPr>
+              <p:extLst>
+                <p:ext uri="{386F3935-93C4-4BCD-93E2-E3B085C9AB24}">
+                  <p16:designElem xmlns:p16="http://schemas.microsoft.com/office/powerpoint/2015/main" val="1"/>
+                </p:ext>
+              </p:extLst>
+            </p:nvPr>
+          </p:nvCxnSpPr>
+          <p:spPr>
+            <a:xfrm flipH="1">
+              <a:off x="10918826" y="3683001"/>
+              <a:ext cx="1270001" cy="1269999"/>
+            </a:xfrm>
+            <a:prstGeom prst="line">
+              <a:avLst/>
+            </a:prstGeom>
+            <a:ln w="28575">
+              <a:solidFill>
+                <a:schemeClr val="tx1"/>
+              </a:solidFill>
+            </a:ln>
+          </p:spPr>
+          <p:style>
+            <a:lnRef idx="2">
+              <a:schemeClr val="accent1"/>
+            </a:lnRef>
+            <a:fillRef idx="0">
+              <a:schemeClr val="accent1"/>
+            </a:fillRef>
+            <a:effectRef idx="1">
+              <a:schemeClr val="accent1"/>
+            </a:effectRef>
+            <a:fontRef idx="minor">
+              <a:schemeClr val="tx1"/>
+            </a:fontRef>
+          </p:style>
+        </p:cxnSp>
+      </p:grpSp>
+      <p:sp useBgFill="1">
+        <p:nvSpPr>
+          <p:cNvPr id="188" name="Rectangle 187">
+            <a:extLst>
+              <a:ext uri="{FF2B5EF4-FFF2-40B4-BE49-F238E27FC236}">
+                <a16:creationId xmlns:a16="http://schemas.microsoft.com/office/drawing/2014/main" id="{781BBDC9-2DC6-4959-AC3D-49A5DCB05DA7}"/>
+              </a:ext>
+              <a:ext uri="{C183D7F6-B498-43B3-948B-1728B52AA6E4}">
+                <adec:decorative xmlns:adec="http://schemas.microsoft.com/office/drawing/2017/decorative" val="1"/>
+              </a:ext>
+            </a:extLst>
+          </p:cNvPr>
+          <p:cNvSpPr>
+            <a:spLocks noGrp="1" noRot="1" noChangeAspect="1" noMove="1" noResize="1" noEditPoints="1" noAdjustHandles="1" noChangeArrowheads="1" noChangeShapeType="1" noTextEdit="1"/>
+          </p:cNvSpPr>
+          <p:nvPr>
+            <p:extLst>
+              <p:ext uri="{386F3935-93C4-4BCD-93E2-E3B085C9AB24}">
+                <p16:designElem xmlns:p16="http://schemas.microsoft.com/office/powerpoint/2015/main" val="1"/>
+              </p:ext>
+            </p:extLst>
+          </p:nvPr>
+        </p:nvSpPr>
+        <p:spPr>
+          <a:xfrm>
+            <a:off x="0" y="0"/>
+            <a:ext cx="12192000" cy="6858000"/>
+          </a:xfrm>
+          <a:prstGeom prst="rect">
+            <a:avLst/>
+          </a:prstGeom>
+          <a:ln>
+            <a:noFill/>
+          </a:ln>
+        </p:spPr>
+        <p:style>
+          <a:lnRef idx="2">
+            <a:schemeClr val="accent1">
+              <a:shade val="50000"/>
+            </a:schemeClr>
+          </a:lnRef>
+          <a:fillRef idx="1">
+            <a:schemeClr val="accent1"/>
+          </a:fillRef>
+          <a:effectRef idx="0">
+            <a:schemeClr val="accent1"/>
+          </a:effectRef>
+          <a:fontRef idx="minor">
+            <a:schemeClr val="lt1"/>
+          </a:fontRef>
+        </p:style>
+        <p:txBody>
+          <a:bodyPr rtlCol="0" anchor="ctr"/>
+          <a:lstStyle/>
+          <a:p>
+            <a:pPr algn="ctr"/>
+            <a:endParaRPr lang="en-US"/>
+          </a:p>
+        </p:txBody>
+      </p:sp>
+      <p:sp>
+        <p:nvSpPr>
+          <p:cNvPr id="190" name="Rectangle 189">
+            <a:extLst>
+              <a:ext uri="{FF2B5EF4-FFF2-40B4-BE49-F238E27FC236}">
+                <a16:creationId xmlns:a16="http://schemas.microsoft.com/office/drawing/2014/main" id="{08452CCF-4A27-488A-AAF4-424933CFC925}"/>
+              </a:ext>
+              <a:ext uri="{C183D7F6-B498-43B3-948B-1728B52AA6E4}">
+                <adec:decorative xmlns:adec="http://schemas.microsoft.com/office/drawing/2017/decorative" val="1"/>
+              </a:ext>
+            </a:extLst>
+          </p:cNvPr>
+          <p:cNvSpPr>
+            <a:spLocks noGrp="1" noRot="1" noChangeAspect="1" noMove="1" noResize="1" noEditPoints="1" noAdjustHandles="1" noChangeArrowheads="1" noChangeShapeType="1" noTextEdit="1"/>
+          </p:cNvSpPr>
+          <p:nvPr>
+            <p:extLst>
+              <p:ext uri="{386F3935-93C4-4BCD-93E2-E3B085C9AB24}">
+                <p16:designElem xmlns:p16="http://schemas.microsoft.com/office/powerpoint/2015/main" val="1"/>
+              </p:ext>
+            </p:extLst>
+          </p:nvPr>
+        </p:nvSpPr>
+        <p:spPr>
+          <a:xfrm>
+            <a:off x="6095999" y="0"/>
+            <a:ext cx="4657345" cy="6858000"/>
+          </a:xfrm>
+          <a:prstGeom prst="rect">
+            <a:avLst/>
+          </a:prstGeom>
+          <a:solidFill>
+            <a:schemeClr val="bg2">
+              <a:lumMod val="75000"/>
+            </a:schemeClr>
+          </a:solidFill>
+          <a:ln>
+            <a:noFill/>
+          </a:ln>
+          <a:effectLst/>
+        </p:spPr>
+        <p:style>
+          <a:lnRef idx="2">
+            <a:schemeClr val="accent1">
+              <a:shade val="50000"/>
+            </a:schemeClr>
+          </a:lnRef>
+          <a:fillRef idx="1001">
+            <a:schemeClr val="dk2"/>
+          </a:fillRef>
+          <a:effectRef idx="0">
+            <a:schemeClr val="accent1"/>
+          </a:effectRef>
+          <a:fontRef idx="minor">
+            <a:schemeClr val="lt1"/>
+          </a:fontRef>
+        </p:style>
+        <p:txBody>
+          <a:bodyPr rtlCol="0" anchor="ctr"/>
+          <a:lstStyle/>
+          <a:p>
+            <a:pPr algn="ctr"/>
+            <a:endParaRPr lang="en-US"/>
+          </a:p>
+        </p:txBody>
+      </p:sp>
+      <p:sp>
+        <p:nvSpPr>
+          <p:cNvPr id="175" name="Google Shape;175;g1792bd7d39e_0_11"/>
+          <p:cNvSpPr txBox="1"/>
+          <p:nvPr/>
+        </p:nvSpPr>
+        <p:spPr>
+          <a:xfrm>
+            <a:off x="4832386" y="295761"/>
+            <a:ext cx="3592286" cy="914400"/>
+          </a:xfrm>
+          <a:prstGeom prst="rect">
+            <a:avLst/>
+          </a:prstGeom>
+        </p:spPr>
+        <p:txBody>
+          <a:bodyPr spcFirstLastPara="1" vert="horz" lIns="91440" tIns="45720" rIns="91440" bIns="45720" rtlCol="0" anchor="ctr" anchorCtr="0">
+            <a:normAutofit/>
+          </a:bodyPr>
+          <a:lstStyle/>
+          <a:p>
+            <a:pPr marL="0" marR="0" lvl="0" indent="0">
+              <a:spcBef>
+                <a:spcPct val="0"/>
+              </a:spcBef>
+              <a:spcAft>
+                <a:spcPts val="600"/>
+              </a:spcAft>
+            </a:pPr>
+            <a:r>
+              <a:rPr lang="en-US" sz="3200" b="0" i="0" cap="all" dirty="0" err="1">
+                <a:ln w="3175" cmpd="sng">
+                  <a:noFill/>
+                </a:ln>
+                <a:latin typeface="+mj-lt"/>
+                <a:ea typeface="+mj-ea"/>
+                <a:cs typeface="+mj-cs"/>
+                <a:sym typeface="Teko"/>
+              </a:rPr>
+              <a:t>webgrafia</a:t>
+            </a:r>
+            <a:endParaRPr lang="en-US" sz="3200" b="0" i="0" cap="all" dirty="0">
+              <a:ln w="3175" cmpd="sng">
+                <a:noFill/>
+              </a:ln>
+              <a:latin typeface="+mj-lt"/>
+              <a:ea typeface="+mj-ea"/>
+              <a:cs typeface="+mj-cs"/>
+              <a:sym typeface="Teko"/>
+            </a:endParaRPr>
+          </a:p>
+        </p:txBody>
+      </p:sp>
+      <p:sp>
+        <p:nvSpPr>
+          <p:cNvPr id="192" name="Rectangle 191">
+            <a:extLst>
+              <a:ext uri="{FF2B5EF4-FFF2-40B4-BE49-F238E27FC236}">
+                <a16:creationId xmlns:a16="http://schemas.microsoft.com/office/drawing/2014/main" id="{4B74BB55-8517-4CFE-9389-81D0E6F81F00}"/>
+              </a:ext>
+              <a:ext uri="{C183D7F6-B498-43B3-948B-1728B52AA6E4}">
+                <adec:decorative xmlns:adec="http://schemas.microsoft.com/office/drawing/2017/decorative" val="1"/>
+              </a:ext>
+            </a:extLst>
+          </p:cNvPr>
+          <p:cNvSpPr>
+            <a:spLocks noGrp="1" noRot="1" noChangeAspect="1" noMove="1" noResize="1" noEditPoints="1" noAdjustHandles="1" noChangeArrowheads="1" noChangeShapeType="1" noTextEdit="1"/>
+          </p:cNvSpPr>
+          <p:nvPr>
+            <p:extLst>
+              <p:ext uri="{386F3935-93C4-4BCD-93E2-E3B085C9AB24}">
+                <p16:designElem xmlns:p16="http://schemas.microsoft.com/office/powerpoint/2015/main" val="1"/>
+              </p:ext>
+            </p:extLst>
+          </p:nvPr>
+        </p:nvSpPr>
+        <p:spPr>
+          <a:xfrm>
+            <a:off x="10753344" y="0"/>
+            <a:ext cx="1438656" cy="6858000"/>
+          </a:xfrm>
+          <a:prstGeom prst="rect">
+            <a:avLst/>
+          </a:prstGeom>
+          <a:solidFill>
+            <a:schemeClr val="bg2">
+              <a:lumMod val="50000"/>
+              <a:alpha val="70000"/>
+            </a:schemeClr>
+          </a:solidFill>
+          <a:ln>
+            <a:noFill/>
+          </a:ln>
+        </p:spPr>
+        <p:style>
+          <a:lnRef idx="2">
+            <a:schemeClr val="accent1">
+              <a:shade val="50000"/>
+            </a:schemeClr>
+          </a:lnRef>
+          <a:fillRef idx="1003">
+            <a:schemeClr val="lt1"/>
+          </a:fillRef>
+          <a:effectRef idx="0">
+            <a:schemeClr val="accent1"/>
+          </a:effectRef>
+          <a:fontRef idx="minor">
+            <a:schemeClr val="lt1"/>
+          </a:fontRef>
+        </p:style>
+        <p:txBody>
+          <a:bodyPr rtlCol="0" anchor="ctr"/>
+          <a:lstStyle/>
+          <a:p>
+            <a:pPr algn="ctr"/>
+            <a:endParaRPr lang="en-US">
+              <a:solidFill>
+                <a:schemeClr val="accent2"/>
+              </a:solidFill>
+            </a:endParaRPr>
+          </a:p>
+        </p:txBody>
+      </p:sp>
+      <p:grpSp>
+        <p:nvGrpSpPr>
+          <p:cNvPr id="194" name="Group 193">
+            <a:extLst>
+              <a:ext uri="{FF2B5EF4-FFF2-40B4-BE49-F238E27FC236}">
+                <a16:creationId xmlns:a16="http://schemas.microsoft.com/office/drawing/2014/main" id="{543190CD-45FC-4DE0-B596-17D4DE53E972}"/>
+              </a:ext>
+              <a:ext uri="{C183D7F6-B498-43B3-948B-1728B52AA6E4}">
+                <adec:decorative xmlns:adec="http://schemas.microsoft.com/office/drawing/2017/decorative" val="1"/>
+              </a:ext>
+            </a:extLst>
+          </p:cNvPr>
+          <p:cNvGrpSpPr>
+            <a:grpSpLocks noGrp="1" noUngrp="1" noRot="1" noChangeAspect="1" noMove="1" noResize="1"/>
+          </p:cNvGrpSpPr>
+          <p:nvPr>
+            <p:extLst>
+              <p:ext uri="{386F3935-93C4-4BCD-93E2-E3B085C9AB24}">
+                <p16:designElem xmlns:p16="http://schemas.microsoft.com/office/powerpoint/2015/main" val="1"/>
+              </p:ext>
+            </p:extLst>
+          </p:nvPr>
+        </p:nvGrpSpPr>
+        <p:grpSpPr>
+          <a:xfrm>
+            <a:off x="10769288" y="3770390"/>
+            <a:ext cx="1419541" cy="1660354"/>
+            <a:chOff x="10292292" y="2963333"/>
+            <a:chExt cx="1896535" cy="2218267"/>
+          </a:xfrm>
+        </p:grpSpPr>
+        <p:cxnSp>
+          <p:nvCxnSpPr>
+            <p:cNvPr id="195" name="Straight Connector 194">
+              <a:extLst>
+                <a:ext uri="{FF2B5EF4-FFF2-40B4-BE49-F238E27FC236}">
+                  <a16:creationId xmlns:a16="http://schemas.microsoft.com/office/drawing/2014/main" id="{3BD4334C-2554-4361-8CFF-394E624CF4A6}"/>
+                </a:ext>
+                <a:ext uri="{C183D7F6-B498-43B3-948B-1728B52AA6E4}">
+                  <adec:decorative xmlns:adec="http://schemas.microsoft.com/office/drawing/2017/decorative" val="1"/>
+                </a:ext>
+              </a:extLst>
+            </p:cNvPr>
+            <p:cNvCxnSpPr/>
+            <p:nvPr>
+              <p:extLst>
+                <p:ext uri="{386F3935-93C4-4BCD-93E2-E3B085C9AB24}">
+                  <p16:designElem xmlns:p16="http://schemas.microsoft.com/office/powerpoint/2015/main" val="1"/>
+                </p:ext>
+              </p:extLst>
+            </p:nvPr>
+          </p:nvCxnSpPr>
+          <p:spPr>
+            <a:xfrm flipH="1">
+              <a:off x="11276012" y="2963333"/>
+              <a:ext cx="912814" cy="912812"/>
+            </a:xfrm>
+            <a:prstGeom prst="line">
+              <a:avLst/>
+            </a:prstGeom>
+            <a:ln w="9525">
+              <a:solidFill>
+                <a:srgbClr val="FFFFFF">
+                  <a:alpha val="70000"/>
+                </a:srgbClr>
+              </a:solidFill>
+            </a:ln>
+          </p:spPr>
+          <p:style>
+            <a:lnRef idx="2">
+              <a:schemeClr val="accent1"/>
+            </a:lnRef>
+            <a:fillRef idx="0">
+              <a:schemeClr val="accent1"/>
+            </a:fillRef>
+            <a:effectRef idx="1">
+              <a:schemeClr val="accent1"/>
+            </a:effectRef>
+            <a:fontRef idx="minor">
+              <a:schemeClr val="tx1"/>
+            </a:fontRef>
+          </p:style>
+        </p:cxnSp>
+        <p:cxnSp>
+          <p:nvCxnSpPr>
+            <p:cNvPr id="196" name="Straight Connector 195">
+              <a:extLst>
+                <a:ext uri="{FF2B5EF4-FFF2-40B4-BE49-F238E27FC236}">
+                  <a16:creationId xmlns:a16="http://schemas.microsoft.com/office/drawing/2014/main" id="{9FC3CBA7-AF68-4075-BAC7-623C34B4F4F7}"/>
+                </a:ext>
+                <a:ext uri="{C183D7F6-B498-43B3-948B-1728B52AA6E4}">
+                  <adec:decorative xmlns:adec="http://schemas.microsoft.com/office/drawing/2017/decorative" val="1"/>
+                </a:ext>
+              </a:extLst>
+            </p:cNvPr>
+            <p:cNvCxnSpPr>
+              <a:cxnSpLocks/>
+            </p:cNvCxnSpPr>
+            <p:nvPr>
+              <p:extLst>
+                <p:ext uri="{386F3935-93C4-4BCD-93E2-E3B085C9AB24}">
+                  <p16:designElem xmlns:p16="http://schemas.microsoft.com/office/powerpoint/2015/main" val="1"/>
+                </p:ext>
+              </p:extLst>
+            </p:nvPr>
+          </p:nvCxnSpPr>
+          <p:spPr>
+            <a:xfrm flipH="1">
+              <a:off x="10292292" y="3190344"/>
+              <a:ext cx="1896535" cy="1896533"/>
+            </a:xfrm>
+            <a:prstGeom prst="line">
+              <a:avLst/>
+            </a:prstGeom>
+            <a:ln w="9525">
+              <a:solidFill>
+                <a:srgbClr val="FFFFFF">
+                  <a:alpha val="70000"/>
+                </a:srgbClr>
+              </a:solidFill>
+            </a:ln>
+          </p:spPr>
+          <p:style>
+            <a:lnRef idx="2">
+              <a:schemeClr val="accent1"/>
+            </a:lnRef>
+            <a:fillRef idx="0">
+              <a:schemeClr val="accent1"/>
+            </a:fillRef>
+            <a:effectRef idx="1">
+              <a:schemeClr val="accent1"/>
+            </a:effectRef>
+            <a:fontRef idx="minor">
+              <a:schemeClr val="tx1"/>
+            </a:fontRef>
+          </p:style>
+        </p:cxnSp>
+        <p:cxnSp>
+          <p:nvCxnSpPr>
+            <p:cNvPr id="197" name="Straight Connector 196">
+              <a:extLst>
+                <a:ext uri="{FF2B5EF4-FFF2-40B4-BE49-F238E27FC236}">
+                  <a16:creationId xmlns:a16="http://schemas.microsoft.com/office/drawing/2014/main" id="{CA6C7307-1C78-4C8A-BF3D-FA420F177AE1}"/>
+                </a:ext>
+                <a:ext uri="{C183D7F6-B498-43B3-948B-1728B52AA6E4}">
+                  <adec:decorative xmlns:adec="http://schemas.microsoft.com/office/drawing/2017/decorative" val="1"/>
+                </a:ext>
+              </a:extLst>
+            </p:cNvPr>
+            <p:cNvCxnSpPr/>
+            <p:nvPr>
+              <p:extLst>
+                <p:ext uri="{386F3935-93C4-4BCD-93E2-E3B085C9AB24}">
+                  <p16:designElem xmlns:p16="http://schemas.microsoft.com/office/powerpoint/2015/main" val="1"/>
+                </p:ext>
+              </p:extLst>
+            </p:nvPr>
+          </p:nvCxnSpPr>
+          <p:spPr>
+            <a:xfrm flipH="1">
+              <a:off x="10292292" y="3285067"/>
+              <a:ext cx="1896534" cy="1896533"/>
+            </a:xfrm>
+            <a:prstGeom prst="line">
+              <a:avLst/>
+            </a:prstGeom>
+            <a:ln w="9525">
+              <a:solidFill>
+                <a:srgbClr val="FFFFFF">
+                  <a:alpha val="70000"/>
+                </a:srgbClr>
+              </a:solidFill>
+            </a:ln>
+          </p:spPr>
+          <p:style>
+            <a:lnRef idx="2">
+              <a:schemeClr val="accent1"/>
+            </a:lnRef>
+            <a:fillRef idx="0">
+              <a:schemeClr val="accent1"/>
+            </a:fillRef>
+            <a:effectRef idx="1">
+              <a:schemeClr val="accent1"/>
+            </a:effectRef>
+            <a:fontRef idx="minor">
+              <a:schemeClr val="tx1"/>
+            </a:fontRef>
+          </p:style>
+        </p:cxnSp>
+        <p:cxnSp>
+          <p:nvCxnSpPr>
+            <p:cNvPr id="198" name="Straight Connector 197">
+              <a:extLst>
+                <a:ext uri="{FF2B5EF4-FFF2-40B4-BE49-F238E27FC236}">
+                  <a16:creationId xmlns:a16="http://schemas.microsoft.com/office/drawing/2014/main" id="{44CD1F94-6C7C-4E8F-9336-E312E9F5C741}"/>
+                </a:ext>
+                <a:ext uri="{C183D7F6-B498-43B3-948B-1728B52AA6E4}">
+                  <adec:decorative xmlns:adec="http://schemas.microsoft.com/office/drawing/2017/decorative" val="1"/>
+                </a:ext>
+              </a:extLst>
+            </p:cNvPr>
+            <p:cNvCxnSpPr/>
+            <p:nvPr>
+              <p:extLst>
+                <p:ext uri="{386F3935-93C4-4BCD-93E2-E3B085C9AB24}">
+                  <p16:designElem xmlns:p16="http://schemas.microsoft.com/office/powerpoint/2015/main" val="1"/>
+                </p:ext>
+              </p:extLst>
+            </p:nvPr>
+          </p:nvCxnSpPr>
+          <p:spPr>
+            <a:xfrm flipH="1">
+              <a:off x="10443103" y="3131080"/>
+              <a:ext cx="1745722" cy="1745720"/>
+            </a:xfrm>
+            <a:prstGeom prst="line">
+              <a:avLst/>
+            </a:prstGeom>
+            <a:ln w="28575">
+              <a:solidFill>
+                <a:srgbClr val="FFFFFF">
+                  <a:alpha val="70000"/>
+                </a:srgbClr>
+              </a:solidFill>
+            </a:ln>
+          </p:spPr>
+          <p:style>
+            <a:lnRef idx="2">
+              <a:schemeClr val="accent1"/>
+            </a:lnRef>
+            <a:fillRef idx="0">
+              <a:schemeClr val="accent1"/>
+            </a:fillRef>
+            <a:effectRef idx="1">
+              <a:schemeClr val="accent1"/>
+            </a:effectRef>
+            <a:fontRef idx="minor">
+              <a:schemeClr val="tx1"/>
+            </a:fontRef>
+          </p:style>
+        </p:cxnSp>
+        <p:cxnSp>
+          <p:nvCxnSpPr>
+            <p:cNvPr id="199" name="Straight Connector 198">
+              <a:extLst>
+                <a:ext uri="{FF2B5EF4-FFF2-40B4-BE49-F238E27FC236}">
+                  <a16:creationId xmlns:a16="http://schemas.microsoft.com/office/drawing/2014/main" id="{A5B11C2A-D791-46E1-B954-1184FB08022F}"/>
+                </a:ext>
+                <a:ext uri="{C183D7F6-B498-43B3-948B-1728B52AA6E4}">
+                  <adec:decorative xmlns:adec="http://schemas.microsoft.com/office/drawing/2017/decorative" val="1"/>
+                </a:ext>
+              </a:extLst>
+            </p:cNvPr>
+            <p:cNvCxnSpPr/>
+            <p:nvPr>
+              <p:extLst>
+                <p:ext uri="{386F3935-93C4-4BCD-93E2-E3B085C9AB24}">
+                  <p16:designElem xmlns:p16="http://schemas.microsoft.com/office/powerpoint/2015/main" val="1"/>
+                </p:ext>
+              </p:extLst>
+            </p:nvPr>
+          </p:nvCxnSpPr>
+          <p:spPr>
+            <a:xfrm flipH="1">
+              <a:off x="10918826" y="3683001"/>
+              <a:ext cx="1270001" cy="1269999"/>
+            </a:xfrm>
+            <a:prstGeom prst="line">
+              <a:avLst/>
+            </a:prstGeom>
+            <a:ln w="28575">
+              <a:solidFill>
+                <a:srgbClr val="FFFFFF">
+                  <a:alpha val="70000"/>
+                </a:srgbClr>
+              </a:solidFill>
+            </a:ln>
+          </p:spPr>
+          <p:style>
+            <a:lnRef idx="2">
+              <a:schemeClr val="accent1"/>
+            </a:lnRef>
+            <a:fillRef idx="0">
+              <a:schemeClr val="accent1"/>
+            </a:fillRef>
+            <a:effectRef idx="1">
+              <a:schemeClr val="accent1"/>
+            </a:effectRef>
+            <a:fontRef idx="minor">
+              <a:schemeClr val="tx1"/>
+            </a:fontRef>
+          </p:style>
+        </p:cxnSp>
+      </p:grpSp>
+      <p:sp>
+        <p:nvSpPr>
+          <p:cNvPr id="2" name="Título 1">
+            <a:extLst>
+              <a:ext uri="{FF2B5EF4-FFF2-40B4-BE49-F238E27FC236}">
+                <a16:creationId xmlns:a16="http://schemas.microsoft.com/office/drawing/2014/main" id="{6E9D189A-7C95-7FA7-BF34-26D8D3AC0DAD}"/>
+              </a:ext>
+            </a:extLst>
+          </p:cNvPr>
+          <p:cNvSpPr txBox="1">
+            <a:spLocks/>
+          </p:cNvSpPr>
+          <p:nvPr/>
+        </p:nvSpPr>
+        <p:spPr>
+          <a:xfrm>
+            <a:off x="319236" y="1714479"/>
+            <a:ext cx="7847127" cy="721701"/>
+          </a:xfrm>
+          <a:prstGeom prst="rect">
+            <a:avLst/>
+          </a:prstGeom>
+          <a:effectLst/>
+        </p:spPr>
+        <p:txBody>
+          <a:bodyPr vert="horz" lIns="91440" tIns="45720" rIns="91440" bIns="45720" rtlCol="0" anchor="ctr">
+            <a:normAutofit/>
+          </a:bodyPr>
+          <a:lstStyle>
+            <a:lvl1pPr algn="l" defTabSz="457200" rtl="0" eaLnBrk="1" latinLnBrk="0" hangingPunct="1">
+              <a:spcBef>
+                <a:spcPct val="0"/>
+              </a:spcBef>
+              <a:buNone/>
+              <a:defRPr sz="3600" kern="1200" cap="all">
+                <a:ln w="3175" cmpd="sng">
+                  <a:noFill/>
+                </a:ln>
+                <a:solidFill>
+                  <a:schemeClr val="tx1"/>
+                </a:solidFill>
+                <a:effectLst/>
+                <a:latin typeface="+mj-lt"/>
+                <a:ea typeface="+mj-ea"/>
+                <a:cs typeface="+mj-cs"/>
+              </a:defRPr>
+            </a:lvl1pPr>
+            <a:lvl2pPr eaLnBrk="1" hangingPunct="1">
+              <a:defRPr>
+                <a:solidFill>
+                  <a:schemeClr val="tx2"/>
+                </a:solidFill>
+              </a:defRPr>
+            </a:lvl2pPr>
+            <a:lvl3pPr eaLnBrk="1" hangingPunct="1">
+              <a:defRPr>
+                <a:solidFill>
+                  <a:schemeClr val="tx2"/>
+                </a:solidFill>
+              </a:defRPr>
+            </a:lvl3pPr>
+            <a:lvl4pPr eaLnBrk="1" hangingPunct="1">
+              <a:defRPr>
+                <a:solidFill>
+                  <a:schemeClr val="tx2"/>
+                </a:solidFill>
+              </a:defRPr>
+            </a:lvl4pPr>
+            <a:lvl5pPr eaLnBrk="1" hangingPunct="1">
+              <a:defRPr>
+                <a:solidFill>
+                  <a:schemeClr val="tx2"/>
+                </a:solidFill>
+              </a:defRPr>
+            </a:lvl5pPr>
+            <a:lvl6pPr eaLnBrk="1" hangingPunct="1">
+              <a:defRPr>
+                <a:solidFill>
+                  <a:schemeClr val="tx2"/>
+                </a:solidFill>
+              </a:defRPr>
+            </a:lvl6pPr>
+            <a:lvl7pPr eaLnBrk="1" hangingPunct="1">
+              <a:defRPr>
+                <a:solidFill>
+                  <a:schemeClr val="tx2"/>
+                </a:solidFill>
+              </a:defRPr>
+            </a:lvl7pPr>
+            <a:lvl8pPr eaLnBrk="1" hangingPunct="1">
+              <a:defRPr>
+                <a:solidFill>
+                  <a:schemeClr val="tx2"/>
+                </a:solidFill>
+              </a:defRPr>
+            </a:lvl8pPr>
+            <a:lvl9pPr eaLnBrk="1" hangingPunct="1">
+              <a:defRPr>
+                <a:solidFill>
+                  <a:schemeClr val="tx2"/>
+                </a:solidFill>
+              </a:defRPr>
+            </a:lvl9pPr>
+          </a:lstStyle>
+          <a:p>
+            <a:r>
+              <a:rPr lang="es-ES" sz="2400" cap="none" dirty="0">
+                <a:hlinkClick r:id="rId3"/>
+              </a:rPr>
+              <a:t>https://openwebinars.net/blog/que-es-smartsheet/</a:t>
+            </a:r>
+            <a:endParaRPr lang="es-ES" sz="2400" cap="none" dirty="0"/>
+          </a:p>
+          <a:p>
+            <a:endParaRPr lang="es-ES" sz="2400" dirty="0"/>
+          </a:p>
+        </p:txBody>
+      </p:sp>
+      <p:sp>
+        <p:nvSpPr>
+          <p:cNvPr id="3" name="Título 1">
+            <a:extLst>
+              <a:ext uri="{FF2B5EF4-FFF2-40B4-BE49-F238E27FC236}">
+                <a16:creationId xmlns:a16="http://schemas.microsoft.com/office/drawing/2014/main" id="{745967DB-1B3D-5694-C79D-10FB66A65C32}"/>
+              </a:ext>
+            </a:extLst>
+          </p:cNvPr>
+          <p:cNvSpPr txBox="1">
+            <a:spLocks/>
+          </p:cNvSpPr>
+          <p:nvPr/>
+        </p:nvSpPr>
+        <p:spPr>
+          <a:xfrm>
+            <a:off x="-370681" y="2362019"/>
+            <a:ext cx="11206766" cy="721700"/>
+          </a:xfrm>
+          <a:prstGeom prst="rect">
+            <a:avLst/>
+          </a:prstGeom>
+          <a:effectLst/>
+        </p:spPr>
+        <p:txBody>
+          <a:bodyPr vert="horz" lIns="91440" tIns="45720" rIns="91440" bIns="45720" rtlCol="0" anchor="ctr">
+            <a:normAutofit/>
+          </a:bodyPr>
+          <a:lstStyle>
+            <a:lvl1pPr algn="l" defTabSz="457200" rtl="0" eaLnBrk="1" latinLnBrk="0" hangingPunct="1">
+              <a:spcBef>
+                <a:spcPct val="0"/>
+              </a:spcBef>
+              <a:buNone/>
+              <a:defRPr sz="3600" kern="1200" cap="all">
+                <a:ln w="3175" cmpd="sng">
+                  <a:noFill/>
+                </a:ln>
+                <a:solidFill>
+                  <a:schemeClr val="tx1"/>
+                </a:solidFill>
+                <a:effectLst/>
+                <a:latin typeface="+mj-lt"/>
+                <a:ea typeface="+mj-ea"/>
+                <a:cs typeface="+mj-cs"/>
+              </a:defRPr>
+            </a:lvl1pPr>
+            <a:lvl2pPr eaLnBrk="1" hangingPunct="1">
+              <a:defRPr>
+                <a:solidFill>
+                  <a:schemeClr val="tx2"/>
+                </a:solidFill>
+              </a:defRPr>
+            </a:lvl2pPr>
+            <a:lvl3pPr eaLnBrk="1" hangingPunct="1">
+              <a:defRPr>
+                <a:solidFill>
+                  <a:schemeClr val="tx2"/>
+                </a:solidFill>
+              </a:defRPr>
+            </a:lvl3pPr>
+            <a:lvl4pPr eaLnBrk="1" hangingPunct="1">
+              <a:defRPr>
+                <a:solidFill>
+                  <a:schemeClr val="tx2"/>
+                </a:solidFill>
+              </a:defRPr>
+            </a:lvl4pPr>
+            <a:lvl5pPr eaLnBrk="1" hangingPunct="1">
+              <a:defRPr>
+                <a:solidFill>
+                  <a:schemeClr val="tx2"/>
+                </a:solidFill>
+              </a:defRPr>
+            </a:lvl5pPr>
+            <a:lvl6pPr eaLnBrk="1" hangingPunct="1">
+              <a:defRPr>
+                <a:solidFill>
+                  <a:schemeClr val="tx2"/>
+                </a:solidFill>
+              </a:defRPr>
+            </a:lvl6pPr>
+            <a:lvl7pPr eaLnBrk="1" hangingPunct="1">
+              <a:defRPr>
+                <a:solidFill>
+                  <a:schemeClr val="tx2"/>
+                </a:solidFill>
+              </a:defRPr>
+            </a:lvl7pPr>
+            <a:lvl8pPr eaLnBrk="1" hangingPunct="1">
+              <a:defRPr>
+                <a:solidFill>
+                  <a:schemeClr val="tx2"/>
+                </a:solidFill>
+              </a:defRPr>
+            </a:lvl8pPr>
+            <a:lvl9pPr eaLnBrk="1" hangingPunct="1">
+              <a:defRPr>
+                <a:solidFill>
+                  <a:schemeClr val="tx2"/>
+                </a:solidFill>
+              </a:defRPr>
+            </a:lvl9pPr>
+          </a:lstStyle>
+          <a:p>
+            <a:pPr algn="ctr"/>
+            <a:r>
+              <a:rPr lang="es-ES" sz="2400" cap="none" dirty="0">
+                <a:hlinkClick r:id="rId4"/>
+              </a:rPr>
+              <a:t>https://www.peerspot.com/products/smartsheet-pros-and-cons</a:t>
+            </a:r>
+            <a:endParaRPr lang="es-ES" sz="2400" cap="none" dirty="0"/>
+          </a:p>
+        </p:txBody>
+      </p:sp>
+      <p:sp>
+        <p:nvSpPr>
+          <p:cNvPr id="4" name="CuadroTexto 3">
+            <a:extLst>
+              <a:ext uri="{FF2B5EF4-FFF2-40B4-BE49-F238E27FC236}">
+                <a16:creationId xmlns:a16="http://schemas.microsoft.com/office/drawing/2014/main" id="{BCD8F33C-F43B-3FC0-0B73-FBF017F80E03}"/>
+              </a:ext>
+            </a:extLst>
+          </p:cNvPr>
+          <p:cNvSpPr txBox="1"/>
+          <p:nvPr/>
+        </p:nvSpPr>
+        <p:spPr>
+          <a:xfrm>
+            <a:off x="411235" y="3235073"/>
+            <a:ext cx="9509200" cy="830997"/>
+          </a:xfrm>
+          <a:prstGeom prst="rect">
+            <a:avLst/>
+          </a:prstGeom>
+          <a:noFill/>
+        </p:spPr>
+        <p:txBody>
+          <a:bodyPr wrap="square">
+            <a:spAutoFit/>
+          </a:bodyPr>
+          <a:lstStyle/>
+          <a:p>
+            <a:r>
+              <a:rPr lang="es-ES" sz="2400" b="0" i="0" dirty="0">
+                <a:effectLst/>
+                <a:hlinkClick r:id="rId5" tooltip="https://tallyfy.com/pros-and-cons-of-smartsheet-with-5-smartsheet-alternatives/"/>
+              </a:rPr>
+              <a:t>https://tallyfy.com/pros-and-cons-of-smartsheet-with-5-smartsheet-alternatives/</a:t>
+            </a:r>
+            <a:endParaRPr lang="es-ES" sz="2400" dirty="0"/>
+          </a:p>
+        </p:txBody>
+      </p:sp>
+      <p:sp>
+        <p:nvSpPr>
+          <p:cNvPr id="5" name="CuadroTexto 4">
+            <a:extLst>
+              <a:ext uri="{FF2B5EF4-FFF2-40B4-BE49-F238E27FC236}">
+                <a16:creationId xmlns:a16="http://schemas.microsoft.com/office/drawing/2014/main" id="{6ED72B6F-493B-567A-AF31-8EA2EE5DDEAE}"/>
+              </a:ext>
+            </a:extLst>
+          </p:cNvPr>
+          <p:cNvSpPr txBox="1"/>
+          <p:nvPr/>
+        </p:nvSpPr>
+        <p:spPr>
+          <a:xfrm>
+            <a:off x="411235" y="4375536"/>
+            <a:ext cx="10342108" cy="738664"/>
+          </a:xfrm>
+          <a:prstGeom prst="rect">
+            <a:avLst/>
+          </a:prstGeom>
+          <a:noFill/>
+        </p:spPr>
+        <p:txBody>
+          <a:bodyPr wrap="square">
+            <a:spAutoFit/>
+          </a:bodyPr>
+          <a:lstStyle/>
+          <a:p>
+            <a:pPr algn="ctr"/>
+            <a:r>
+              <a:rPr lang="es-ES" sz="2400" dirty="0">
+                <a:hlinkClick r:id="rId4"/>
+              </a:rPr>
+              <a:t>https://www.peerspot.com/products/smartsheet-pros-and-cons</a:t>
+            </a:r>
+            <a:endParaRPr lang="es-ES" sz="2400" dirty="0"/>
+          </a:p>
+          <a:p>
+            <a:pPr algn="ctr"/>
+            <a:endParaRPr lang="es-ES" sz="1800" dirty="0"/>
+          </a:p>
+        </p:txBody>
+      </p:sp>
+    </p:spTree>
+    <p:extLst>
+      <p:ext uri="{BB962C8B-B14F-4D97-AF65-F5344CB8AC3E}">
+        <p14:creationId xmlns:p14="http://schemas.microsoft.com/office/powerpoint/2010/main" val="987541902"/>
+      </p:ext>
+    </p:extLst>
+  </p:cSld>
+  <p:clrMapOvr>
+    <a:masterClrMapping/>
+  </p:clrMapOvr>
+  <mc:AlternateContent xmlns:mc="http://schemas.openxmlformats.org/markup-compatibility/2006" xmlns:p14="http://schemas.microsoft.com/office/powerpoint/2010/main">
+    <mc:Choice Requires="p14">
+      <p:transition spd="slow" p14:dur="800">
+        <p:circle/>
+      </p:transition>
+    </mc:Choice>
+    <mc:Fallback xmlns="">
+      <p:transition spd="slow">
+        <p:circle/>
+      </p:transition>
+    </mc:Fallback>
+  </mc:AlternateContent>
+  <p:timing>
+    <p:tnLst>
+      <p:par>
+        <p:cTn id="1" dur="indefinite" restart="never" nodeType="tmRoot">
+          <p:childTnLst>
+            <p:seq concurrent="1" nextAc="seek">
+              <p:cTn id="2" dur="indefinite" nodeType="mainSeq">
+                <p:childTnLst>
+                  <p:par>
+                    <p:cTn id="3" fill="hold">
+                      <p:stCondLst>
+                        <p:cond delay="indefinite"/>
+                        <p:cond evt="onBegin" delay="0">
+                          <p:tn val="2"/>
+                        </p:cond>
+                      </p:stCondLst>
+                      <p:childTnLst>
+                        <p:par>
+                          <p:cTn id="4" fill="hold">
+                            <p:stCondLst>
+                              <p:cond delay="0"/>
+                            </p:stCondLst>
+                            <p:childTnLst>
+                              <p:par>
+                                <p:cTn id="5" presetID="31" presetClass="entr" presetSubtype="0" fill="hold" grpId="0" nodeType="withEffect">
+                                  <p:stCondLst>
+                                    <p:cond delay="0"/>
+                                  </p:stCondLst>
+                                  <p:childTnLst>
+                                    <p:set>
+                                      <p:cBhvr>
+                                        <p:cTn id="6" dur="1" fill="hold">
+                                          <p:stCondLst>
+                                            <p:cond delay="0"/>
+                                          </p:stCondLst>
+                                        </p:cTn>
+                                        <p:tgtEl>
+                                          <p:spTgt spid="175"/>
+                                        </p:tgtEl>
+                                        <p:attrNameLst>
+                                          <p:attrName>style.visibility</p:attrName>
+                                        </p:attrNameLst>
+                                      </p:cBhvr>
+                                      <p:to>
+                                        <p:strVal val="visible"/>
+                                      </p:to>
+                                    </p:set>
+                                    <p:anim calcmode="lin" valueType="num">
+                                      <p:cBhvr>
+                                        <p:cTn id="7" dur="1000" fill="hold"/>
+                                        <p:tgtEl>
+                                          <p:spTgt spid="175"/>
+                                        </p:tgtEl>
+                                        <p:attrNameLst>
+                                          <p:attrName>ppt_w</p:attrName>
+                                        </p:attrNameLst>
+                                      </p:cBhvr>
+                                      <p:tavLst>
+                                        <p:tav tm="0">
+                                          <p:val>
+                                            <p:fltVal val="0"/>
+                                          </p:val>
+                                        </p:tav>
+                                        <p:tav tm="100000">
+                                          <p:val>
+                                            <p:strVal val="#ppt_w"/>
+                                          </p:val>
+                                        </p:tav>
+                                      </p:tavLst>
+                                    </p:anim>
+                                    <p:anim calcmode="lin" valueType="num">
+                                      <p:cBhvr>
+                                        <p:cTn id="8" dur="1000" fill="hold"/>
+                                        <p:tgtEl>
+                                          <p:spTgt spid="175"/>
+                                        </p:tgtEl>
+                                        <p:attrNameLst>
+                                          <p:attrName>ppt_h</p:attrName>
+                                        </p:attrNameLst>
+                                      </p:cBhvr>
+                                      <p:tavLst>
+                                        <p:tav tm="0">
+                                          <p:val>
+                                            <p:fltVal val="0"/>
+                                          </p:val>
+                                        </p:tav>
+                                        <p:tav tm="100000">
+                                          <p:val>
+                                            <p:strVal val="#ppt_h"/>
+                                          </p:val>
+                                        </p:tav>
+                                      </p:tavLst>
+                                    </p:anim>
+                                    <p:anim calcmode="lin" valueType="num">
+                                      <p:cBhvr>
+                                        <p:cTn id="9" dur="1000" fill="hold"/>
+                                        <p:tgtEl>
+                                          <p:spTgt spid="175"/>
+                                        </p:tgtEl>
+                                        <p:attrNameLst>
+                                          <p:attrName>style.rotation</p:attrName>
+                                        </p:attrNameLst>
+                                      </p:cBhvr>
+                                      <p:tavLst>
+                                        <p:tav tm="0">
+                                          <p:val>
+                                            <p:fltVal val="90"/>
+                                          </p:val>
+                                        </p:tav>
+                                        <p:tav tm="100000">
+                                          <p:val>
+                                            <p:fltVal val="0"/>
+                                          </p:val>
+                                        </p:tav>
+                                      </p:tavLst>
+                                    </p:anim>
+                                    <p:animEffect transition="in" filter="fade">
+                                      <p:cBhvr>
+                                        <p:cTn id="10" dur="1000"/>
+                                        <p:tgtEl>
+                                          <p:spTgt spid="175"/>
+                                        </p:tgtEl>
+                                      </p:cBhvr>
+                                    </p:animEffect>
+                                  </p:childTnLst>
+                                </p:cTn>
+                              </p:par>
+                            </p:childTnLst>
+                          </p:cTn>
+                        </p:par>
+                      </p:childTnLst>
+                    </p:cTn>
+                  </p:par>
+                </p:childTnLst>
+              </p:cTn>
+              <p:prevCondLst>
+                <p:cond evt="onPrev" delay="0">
+                  <p:tgtEl>
+                    <p:sldTgt/>
+                  </p:tgtEl>
+                </p:cond>
+              </p:prevCondLst>
+              <p:nextCondLst>
+                <p:cond evt="onNext" delay="0">
+                  <p:tgtEl>
+                    <p:sldTgt/>
+                  </p:tgtEl>
+                </p:cond>
+              </p:nextCondLst>
+            </p:seq>
+          </p:childTnLst>
+        </p:cTn>
+      </p:par>
+    </p:tnLst>
+    <p:bldLst>
+      <p:bldP spid="175" grpId="0"/>
+    </p:bldLst>
+  </p:timing>
+</p:sld>
+</file>
+
+<file path=ppt/slides/slide11.xml><?xml version="1.0" encoding="utf-8"?>
+<p:sld xmlns:a="http://schemas.openxmlformats.org/drawingml/2006/main" xmlns:r="http://schemas.openxmlformats.org/officeDocument/2006/relationships" xmlns:p="http://schemas.openxmlformats.org/presentationml/2006/main">
+  <p:cSld>
+    <p:bg>
+      <p:bgPr>
+        <a:solidFill>
+          <a:schemeClr val="bg2"/>
+        </a:solidFill>
+        <a:effectLst/>
+      </p:bgPr>
+    </p:bg>
+    <p:spTree>
+      <p:nvGrpSpPr>
         <p:cNvPr id="1" name="Shape 188"/>
         <p:cNvGrpSpPr/>
         <p:nvPr/>
@@ -9124,7 +10583,7 @@
 </p:sld>
 </file>
 
-<file path=ppt/slides/slide11.xml><?xml version="1.0" encoding="utf-8"?>
+<file path=ppt/slides/slide12.xml><?xml version="1.0" encoding="utf-8"?>
 <p:sld xmlns:a="http://schemas.openxmlformats.org/drawingml/2006/main" xmlns:r="http://schemas.openxmlformats.org/officeDocument/2006/relationships" xmlns:p="http://schemas.openxmlformats.org/presentationml/2006/main">
   <p:cSld>
     <p:bg>
